--- a/Plotter Salter Smoother Report/Plotter Salter Smoother Project.pptx
+++ b/Plotter Salter Smoother Report/Plotter Salter Smoother Project.pptx
@@ -122,7 +122,56 @@
       </a:defRPr>
     </a:lvl9pPr>
   </p:defaultTextStyle>
+  <p:extLst>
+    <p:ext uri="{EFAFB233-063F-42B5-8137-9DF3F51BA10A}">
+      <p15:sldGuideLst xmlns:p15="http://schemas.microsoft.com/office/powerpoint/2012/main"/>
+    </p:ext>
+  </p:extLst>
 </p:presentation>
+</file>
+
+<file path=ppt/changesInfos/changesInfo1.xml><?xml version="1.0" encoding="utf-8"?>
+<pc:chgInfo xmlns:a="http://schemas.openxmlformats.org/drawingml/2006/main" xmlns:r="http://schemas.openxmlformats.org/officeDocument/2006/relationships" xmlns:ac="http://schemas.microsoft.com/office/drawing/2013/main/command" xmlns:pc="http://schemas.microsoft.com/office/powerpoint/2013/main/command">
+  <pc:docChgLst>
+    <pc:chgData name="Dillon Groh" userId="920fd3873b31f4cc" providerId="LiveId" clId="{8DF9C1D7-B380-4472-8160-173E2CE2EEE7}"/>
+    <pc:docChg chg="modSld">
+      <pc:chgData name="Dillon Groh" userId="920fd3873b31f4cc" providerId="LiveId" clId="{8DF9C1D7-B380-4472-8160-173E2CE2EEE7}" dt="2023-04-26T19:35:29.315" v="4" actId="255"/>
+      <pc:docMkLst>
+        <pc:docMk/>
+      </pc:docMkLst>
+      <pc:sldChg chg="modSp mod">
+        <pc:chgData name="Dillon Groh" userId="920fd3873b31f4cc" providerId="LiveId" clId="{8DF9C1D7-B380-4472-8160-173E2CE2EEE7}" dt="2023-04-26T19:35:29.315" v="4" actId="255"/>
+        <pc:sldMkLst>
+          <pc:docMk/>
+          <pc:sldMk cId="252940400" sldId="259"/>
+        </pc:sldMkLst>
+        <pc:spChg chg="mod">
+          <ac:chgData name="Dillon Groh" userId="920fd3873b31f4cc" providerId="LiveId" clId="{8DF9C1D7-B380-4472-8160-173E2CE2EEE7}" dt="2023-04-26T19:35:29.315" v="4" actId="255"/>
+          <ac:spMkLst>
+            <pc:docMk/>
+            <pc:sldMk cId="252940400" sldId="259"/>
+            <ac:spMk id="3" creationId="{8B24ED29-FFC4-5F9F-86FF-642576BE1124}"/>
+          </ac:spMkLst>
+        </pc:spChg>
+      </pc:sldChg>
+      <pc:sldChg chg="modSp mod">
+        <pc:chgData name="Dillon Groh" userId="920fd3873b31f4cc" providerId="LiveId" clId="{8DF9C1D7-B380-4472-8160-173E2CE2EEE7}" dt="2023-04-26T19:35:04.429" v="1" actId="255"/>
+        <pc:sldMkLst>
+          <pc:docMk/>
+          <pc:sldMk cId="30290564" sldId="274"/>
+        </pc:sldMkLst>
+        <pc:spChg chg="mod">
+          <ac:chgData name="Dillon Groh" userId="920fd3873b31f4cc" providerId="LiveId" clId="{8DF9C1D7-B380-4472-8160-173E2CE2EEE7}" dt="2023-04-26T19:35:04.429" v="1" actId="255"/>
+          <ac:spMkLst>
+            <pc:docMk/>
+            <pc:sldMk cId="30290564" sldId="274"/>
+            <ac:spMk id="3" creationId="{BD5164D3-8155-84EA-DAE0-C927AAB2AA92}"/>
+          </ac:spMkLst>
+        </pc:spChg>
+      </pc:sldChg>
+    </pc:docChg>
+  </pc:docChgLst>
+</pc:chgInfo>
 </file>
 
 <file path=ppt/charts/chart1.xml><?xml version="1.0" encoding="utf-8"?>
@@ -8781,8 +8830,8 @@
           </a:p>
         </p:txBody>
       </p:sp>
-      <mc:AlternateContent xmlns:mc="http://schemas.openxmlformats.org/markup-compatibility/2006">
-        <mc:Choice xmlns:a14="http://schemas.microsoft.com/office/drawing/2010/main" Requires="a14">
+      <mc:AlternateContent xmlns:mc="http://schemas.openxmlformats.org/markup-compatibility/2006" xmlns:a14="http://schemas.microsoft.com/office/drawing/2010/main">
+        <mc:Choice Requires="a14">
           <p:sp>
             <p:nvSpPr>
               <p:cNvPr id="3" name="Content Placeholder 2">
@@ -8975,7 +9024,7 @@
             </p:txBody>
           </p:sp>
         </mc:Choice>
-        <mc:Fallback>
+        <mc:Fallback xmlns="">
           <p:sp>
             <p:nvSpPr>
               <p:cNvPr id="3" name="Content Placeholder 2">
@@ -11910,52 +11959,54 @@
         </p:nvSpPr>
         <p:spPr/>
         <p:txBody>
-          <a:bodyPr/>
+          <a:bodyPr>
+            <a:normAutofit/>
+          </a:bodyPr>
           <a:lstStyle/>
           <a:p>
             <a:r>
-              <a:rPr lang="en-US" sz="1800" u="sng" dirty="0">
+              <a:rPr lang="en-US" sz="1400" u="sng" dirty="0">
                 <a:solidFill>
                   <a:srgbClr val="0563C1"/>
                 </a:solidFill>
                 <a:effectLst/>
                 <a:latin typeface="Calibri" panose="020F0502020204030204" pitchFamily="34" charset="0"/>
                 <a:ea typeface="Calibri" panose="020F0502020204030204" pitchFamily="34" charset="0"/>
-                <a:cs typeface="Times New Roman" panose="02020603050405020304" pitchFamily="18" charset="0"/>
+                <a:cs typeface="Calibri" panose="020F0502020204030204" pitchFamily="34" charset="0"/>
                 <a:hlinkClick r:id="rId2"/>
               </a:rPr>
               <a:t>https://docs.octave.org/v6.3.0/Statistics-on-Sliding-Windows-of-Data.html</a:t>
             </a:r>
-            <a:endParaRPr lang="en-US" sz="1800" u="sng" dirty="0">
+            <a:endParaRPr lang="en-US" sz="1400" u="sng" dirty="0">
               <a:solidFill>
                 <a:srgbClr val="0563C1"/>
               </a:solidFill>
               <a:latin typeface="Calibri" panose="020F0502020204030204" pitchFamily="34" charset="0"/>
               <a:ea typeface="Calibri" panose="020F0502020204030204" pitchFamily="34" charset="0"/>
-              <a:cs typeface="Times New Roman" panose="02020603050405020304" pitchFamily="18" charset="0"/>
+              <a:cs typeface="Calibri" panose="020F0502020204030204" pitchFamily="34" charset="0"/>
             </a:endParaRPr>
           </a:p>
           <a:p>
             <a:r>
-              <a:rPr lang="en-US" sz="1800" u="sng" dirty="0">
+              <a:rPr lang="en-US" sz="1400" u="sng" dirty="0">
                 <a:solidFill>
                   <a:srgbClr val="0563C1"/>
                 </a:solidFill>
                 <a:effectLst/>
                 <a:latin typeface="Calibri" panose="020F0502020204030204" pitchFamily="34" charset="0"/>
                 <a:ea typeface="Calibri" panose="020F0502020204030204" pitchFamily="34" charset="0"/>
-                <a:cs typeface="Times New Roman" panose="02020603050405020304" pitchFamily="18" charset="0"/>
+                <a:cs typeface="Calibri" panose="020F0502020204030204" pitchFamily="34" charset="0"/>
                 <a:hlinkClick r:id="rId3"/>
               </a:rPr>
               <a:t>https://docs.octave.org/v4.0.0/Two_002dDimensional-Plots.html</a:t>
             </a:r>
-            <a:endParaRPr lang="en-US" sz="1800" u="sng" dirty="0">
+            <a:endParaRPr lang="en-US" sz="1400" u="sng" dirty="0">
               <a:solidFill>
                 <a:srgbClr val="0563C1"/>
               </a:solidFill>
               <a:latin typeface="Calibri" panose="020F0502020204030204" pitchFamily="34" charset="0"/>
               <a:ea typeface="Calibri" panose="020F0502020204030204" pitchFamily="34" charset="0"/>
-              <a:cs typeface="Times New Roman" panose="02020603050405020304" pitchFamily="18" charset="0"/>
+              <a:cs typeface="Calibri" panose="020F0502020204030204" pitchFamily="34" charset="0"/>
             </a:endParaRPr>
           </a:p>
           <a:p>
@@ -11965,7 +12016,9 @@
                   <a:srgbClr val="6A9955"/>
                 </a:solidFill>
                 <a:effectLst/>
-                <a:latin typeface="Consolas" panose="020B0609020204030204" pitchFamily="49" charset="0"/>
+                <a:latin typeface="Calibri" panose="020F0502020204030204" pitchFamily="34" charset="0"/>
+                <a:ea typeface="Calibri" panose="020F0502020204030204" pitchFamily="34" charset="0"/>
+                <a:cs typeface="Calibri" panose="020F0502020204030204" pitchFamily="34" charset="0"/>
                 <a:hlinkClick r:id="rId4"/>
               </a:rPr>
               <a:t>https://www.tutorialspoint.com/jfreechart/jfreechart_line_chart.htm</a:t>
@@ -11975,7 +12028,9 @@
                 <a:srgbClr val="D4D4D4"/>
               </a:solidFill>
               <a:effectLst/>
-              <a:latin typeface="Consolas" panose="020B0609020204030204" pitchFamily="49" charset="0"/>
+              <a:latin typeface="Calibri" panose="020F0502020204030204" pitchFamily="34" charset="0"/>
+              <a:ea typeface="Calibri" panose="020F0502020204030204" pitchFamily="34" charset="0"/>
+              <a:cs typeface="Calibri" panose="020F0502020204030204" pitchFamily="34" charset="0"/>
             </a:endParaRPr>
           </a:p>
           <a:p>
@@ -11985,7 +12040,9 @@
                   <a:srgbClr val="6A9955"/>
                 </a:solidFill>
                 <a:effectLst/>
-                <a:latin typeface="Consolas" panose="020B0609020204030204" pitchFamily="49" charset="0"/>
+                <a:latin typeface="Calibri" panose="020F0502020204030204" pitchFamily="34" charset="0"/>
+                <a:ea typeface="Calibri" panose="020F0502020204030204" pitchFamily="34" charset="0"/>
+                <a:cs typeface="Calibri" panose="020F0502020204030204" pitchFamily="34" charset="0"/>
                 <a:hlinkClick r:id="rId5"/>
               </a:rPr>
               <a:t>https://commons.apache.org/proper/commons-math/javadocs/api-3.6.1/index.html</a:t>
@@ -11995,7 +12052,9 @@
                 <a:srgbClr val="D4D4D4"/>
               </a:solidFill>
               <a:effectLst/>
-              <a:latin typeface="Consolas" panose="020B0609020204030204" pitchFamily="49" charset="0"/>
+              <a:latin typeface="Calibri" panose="020F0502020204030204" pitchFamily="34" charset="0"/>
+              <a:ea typeface="Calibri" panose="020F0502020204030204" pitchFamily="34" charset="0"/>
+              <a:cs typeface="Calibri" panose="020F0502020204030204" pitchFamily="34" charset="0"/>
             </a:endParaRPr>
           </a:p>
           <a:p>
@@ -12005,28 +12064,21 @@
                   <a:srgbClr val="6A9955"/>
                 </a:solidFill>
                 <a:effectLst/>
-                <a:latin typeface="Consolas" panose="020B0609020204030204" pitchFamily="49" charset="0"/>
+                <a:latin typeface="Calibri" panose="020F0502020204030204" pitchFamily="34" charset="0"/>
+                <a:ea typeface="Calibri" panose="020F0502020204030204" pitchFamily="34" charset="0"/>
+                <a:cs typeface="Calibri" panose="020F0502020204030204" pitchFamily="34" charset="0"/>
                 <a:hlinkClick r:id="rId6"/>
               </a:rPr>
-              <a:t>https://www.javatpoint.com</a:t>
-            </a:r>
-            <a:r>
-              <a:rPr lang="en-US" sz="1400" b="0">
-                <a:solidFill>
-                  <a:srgbClr val="6A9955"/>
-                </a:solidFill>
-                <a:effectLst/>
-                <a:latin typeface="Consolas" panose="020B0609020204030204" pitchFamily="49" charset="0"/>
-                <a:hlinkClick r:id="rId6"/>
-              </a:rPr>
-              <a:t>/jfreechart-line-chart</a:t>
+              <a:t>https://www.javatpoint.com/jfreechart-line-chart</a:t>
             </a:r>
             <a:endParaRPr lang="en-US" sz="1400" b="0" dirty="0">
               <a:solidFill>
                 <a:srgbClr val="D4D4D4"/>
               </a:solidFill>
               <a:effectLst/>
-              <a:latin typeface="Consolas" panose="020B0609020204030204" pitchFamily="49" charset="0"/>
+              <a:latin typeface="Calibri" panose="020F0502020204030204" pitchFamily="34" charset="0"/>
+              <a:ea typeface="Calibri" panose="020F0502020204030204" pitchFamily="34" charset="0"/>
+              <a:cs typeface="Calibri" panose="020F0502020204030204" pitchFamily="34" charset="0"/>
             </a:endParaRPr>
           </a:p>
           <a:p>
@@ -12036,7 +12088,9 @@
                   <a:srgbClr val="6A9955"/>
                 </a:solidFill>
                 <a:effectLst/>
-                <a:latin typeface="Consolas" panose="020B0609020204030204" pitchFamily="49" charset="0"/>
+                <a:latin typeface="Calibri" panose="020F0502020204030204" pitchFamily="34" charset="0"/>
+                <a:ea typeface="Calibri" panose="020F0502020204030204" pitchFamily="34" charset="0"/>
+                <a:cs typeface="Calibri" panose="020F0502020204030204" pitchFamily="34" charset="0"/>
                 <a:hlinkClick r:id="rId7"/>
               </a:rPr>
               <a:t>https://www.baeldung.com/apache-commons-math</a:t>
@@ -12046,7 +12100,9 @@
                 <a:srgbClr val="6A9955"/>
               </a:solidFill>
               <a:effectLst/>
-              <a:latin typeface="Consolas" panose="020B0609020204030204" pitchFamily="49" charset="0"/>
+              <a:latin typeface="Calibri" panose="020F0502020204030204" pitchFamily="34" charset="0"/>
+              <a:ea typeface="Calibri" panose="020F0502020204030204" pitchFamily="34" charset="0"/>
+              <a:cs typeface="Calibri" panose="020F0502020204030204" pitchFamily="34" charset="0"/>
             </a:endParaRPr>
           </a:p>
           <a:p>
@@ -12055,22 +12111,28 @@
                 <a:srgbClr val="D4D4D4"/>
               </a:solidFill>
               <a:effectLst/>
-              <a:latin typeface="Consolas" panose="020B0609020204030204" pitchFamily="49" charset="0"/>
+              <a:latin typeface="Calibri" panose="020F0502020204030204" pitchFamily="34" charset="0"/>
+              <a:ea typeface="Calibri" panose="020F0502020204030204" pitchFamily="34" charset="0"/>
+              <a:cs typeface="Calibri" panose="020F0502020204030204" pitchFamily="34" charset="0"/>
             </a:endParaRPr>
           </a:p>
           <a:p>
-            <a:endParaRPr lang="en-US" sz="1800" u="sng" dirty="0">
+            <a:endParaRPr lang="en-US" sz="1400" u="sng" dirty="0">
               <a:solidFill>
                 <a:srgbClr val="0563C1"/>
               </a:solidFill>
               <a:effectLst/>
               <a:latin typeface="Calibri" panose="020F0502020204030204" pitchFamily="34" charset="0"/>
               <a:ea typeface="Calibri" panose="020F0502020204030204" pitchFamily="34" charset="0"/>
-              <a:cs typeface="Times New Roman" panose="02020603050405020304" pitchFamily="18" charset="0"/>
+              <a:cs typeface="Calibri" panose="020F0502020204030204" pitchFamily="34" charset="0"/>
             </a:endParaRPr>
           </a:p>
           <a:p>
-            <a:endParaRPr lang="en-US" dirty="0"/>
+            <a:endParaRPr lang="en-US" sz="1400" dirty="0">
+              <a:latin typeface="Calibri" panose="020F0502020204030204" pitchFamily="34" charset="0"/>
+              <a:ea typeface="Calibri" panose="020F0502020204030204" pitchFamily="34" charset="0"/>
+              <a:cs typeface="Calibri" panose="020F0502020204030204" pitchFamily="34" charset="0"/>
+            </a:endParaRPr>
           </a:p>
         </p:txBody>
       </p:sp>
@@ -12446,23 +12508,33 @@
             </p:nvSpPr>
             <p:spPr/>
             <p:txBody>
-              <a:bodyPr/>
+              <a:bodyPr>
+                <a:normAutofit/>
+              </a:bodyPr>
               <a:lstStyle/>
               <a:p>
                 <a:r>
-                  <a:rPr lang="en-US" dirty="0"/>
+                  <a:rPr lang="en-US" sz="2200" dirty="0">
+                    <a:latin typeface="Calibri" panose="020F0502020204030204" pitchFamily="34" charset="0"/>
+                    <a:ea typeface="Calibri" panose="020F0502020204030204" pitchFamily="34" charset="0"/>
+                    <a:cs typeface="Calibri" panose="020F0502020204030204" pitchFamily="34" charset="0"/>
+                  </a:rPr>
                   <a:t>In part 1 we were required to make Java code that would print out 3 csv files in order to show our graph.</a:t>
                 </a:r>
               </a:p>
               <a:p>
                 <a:r>
-                  <a:rPr lang="en-US" dirty="0"/>
+                  <a:rPr lang="en-US" sz="2200" dirty="0">
+                    <a:latin typeface="Calibri" panose="020F0502020204030204" pitchFamily="34" charset="0"/>
+                    <a:ea typeface="Calibri" panose="020F0502020204030204" pitchFamily="34" charset="0"/>
+                    <a:cs typeface="Calibri" panose="020F0502020204030204" pitchFamily="34" charset="0"/>
+                  </a:rPr>
                   <a:t>I used the line function </a:t>
                 </a:r>
                 <a14:m>
                   <m:oMath xmlns:m="http://schemas.openxmlformats.org/officeDocument/2006/math">
                     <m:r>
-                      <a:rPr lang="en-US" sz="1800" i="1" smtClean="0">
+                      <a:rPr lang="en-US" sz="2200" i="1" smtClean="0">
                         <a:effectLst/>
                         <a:latin typeface="Cambria Math" panose="02040503050406030204" pitchFamily="18" charset="0"/>
                         <a:ea typeface="Calibri" panose="020F0502020204030204" pitchFamily="34" charset="0"/>
@@ -12471,7 +12543,7 @@
                       <m:t>𝑦</m:t>
                     </m:r>
                     <m:r>
-                      <a:rPr lang="en-US" sz="1800" i="1" smtClean="0">
+                      <a:rPr lang="en-US" sz="2200" i="1" smtClean="0">
                         <a:effectLst/>
                         <a:latin typeface="Cambria Math" panose="02040503050406030204" pitchFamily="18" charset="0"/>
                         <a:ea typeface="Calibri" panose="020F0502020204030204" pitchFamily="34" charset="0"/>
@@ -12482,7 +12554,7 @@
                     <m:f>
                       <m:fPr>
                         <m:ctrlPr>
-                          <a:rPr lang="en-US" sz="1800" i="1">
+                          <a:rPr lang="en-US" sz="2200" i="1">
                             <a:effectLst/>
                             <a:latin typeface="Cambria Math" panose="02040503050406030204" pitchFamily="18" charset="0"/>
                           </a:rPr>
@@ -12490,7 +12562,7 @@
                       </m:fPr>
                       <m:num>
                         <m:r>
-                          <a:rPr lang="en-US" sz="1800" i="1">
+                          <a:rPr lang="en-US" sz="2200" i="1">
                             <a:effectLst/>
                             <a:latin typeface="Cambria Math" panose="02040503050406030204" pitchFamily="18" charset="0"/>
                             <a:ea typeface="Calibri" panose="020F0502020204030204" pitchFamily="34" charset="0"/>
@@ -12501,7 +12573,7 @@
                       </m:num>
                       <m:den>
                         <m:r>
-                          <a:rPr lang="en-US" sz="1800" i="1">
+                          <a:rPr lang="en-US" sz="2200" i="1">
                             <a:effectLst/>
                             <a:latin typeface="Cambria Math" panose="02040503050406030204" pitchFamily="18" charset="0"/>
                             <a:ea typeface="Calibri" panose="020F0502020204030204" pitchFamily="34" charset="0"/>
@@ -12512,7 +12584,7 @@
                       </m:den>
                     </m:f>
                     <m:r>
-                      <a:rPr lang="en-US" sz="1800" i="1">
+                      <a:rPr lang="en-US" sz="2200" i="1">
                         <a:effectLst/>
                         <a:latin typeface="Cambria Math" panose="02040503050406030204" pitchFamily="18" charset="0"/>
                         <a:ea typeface="Calibri" panose="020F0502020204030204" pitchFamily="34" charset="0"/>
@@ -12521,7 +12593,7 @@
                       <m:t>𝑥</m:t>
                     </m:r>
                     <m:r>
-                      <a:rPr lang="en-US" sz="1800" i="1">
+                      <a:rPr lang="en-US" sz="2200" i="1">
                         <a:effectLst/>
                         <a:latin typeface="Cambria Math" panose="02040503050406030204" pitchFamily="18" charset="0"/>
                         <a:ea typeface="Calibri" panose="020F0502020204030204" pitchFamily="34" charset="0"/>
@@ -12532,23 +12604,22 @@
                   </m:oMath>
                 </a14:m>
                 <a:r>
-                  <a:rPr lang="en-US" sz="1800" dirty="0">
+                  <a:rPr lang="en-US" sz="2200" dirty="0">
                     <a:effectLst/>
                     <a:latin typeface="Calibri" panose="020F0502020204030204" pitchFamily="34" charset="0"/>
-                    <a:ea typeface="Times New Roman" panose="02020603050405020304" pitchFamily="18" charset="0"/>
-                    <a:cs typeface="Times New Roman" panose="02020603050405020304" pitchFamily="18" charset="0"/>
+                    <a:ea typeface="Calibri" panose="020F0502020204030204" pitchFamily="34" charset="0"/>
+                    <a:cs typeface="Calibri" panose="020F0502020204030204" pitchFamily="34" charset="0"/>
                   </a:rPr>
                   <a:t> because it is a simple function and </a:t>
                 </a:r>
                 <a:r>
-                  <a:rPr lang="en-US" sz="1800" dirty="0">
+                  <a:rPr lang="en-US" sz="2200" dirty="0">
                     <a:latin typeface="Calibri" panose="020F0502020204030204" pitchFamily="34" charset="0"/>
-                    <a:ea typeface="Times New Roman" panose="02020603050405020304" pitchFamily="18" charset="0"/>
-                    <a:cs typeface="Times New Roman" panose="02020603050405020304" pitchFamily="18" charset="0"/>
+                    <a:ea typeface="Calibri" panose="020F0502020204030204" pitchFamily="34" charset="0"/>
+                    <a:cs typeface="Calibri" panose="020F0502020204030204" pitchFamily="34" charset="0"/>
                   </a:rPr>
                   <a:t>I know what it should look like.</a:t>
                 </a:r>
-                <a:endParaRPr lang="en-US" dirty="0"/>
               </a:p>
             </p:txBody>
           </p:sp>
@@ -12574,7 +12645,7 @@
               <a:blipFill>
                 <a:blip r:embed="rId2"/>
                 <a:stretch>
-                  <a:fillRect l="-1144" t="-2936" r="-508"/>
+                  <a:fillRect l="-953" t="-2202"/>
                 </a:stretch>
               </a:blipFill>
             </p:spPr>
@@ -13029,8 +13100,8 @@
           </a:p>
         </p:txBody>
       </p:sp>
-      <mc:AlternateContent xmlns:mc="http://schemas.openxmlformats.org/markup-compatibility/2006">
-        <mc:Choice xmlns:a14="http://schemas.microsoft.com/office/drawing/2010/main" Requires="a14">
+      <mc:AlternateContent xmlns:mc="http://schemas.openxmlformats.org/markup-compatibility/2006" xmlns:a14="http://schemas.microsoft.com/office/drawing/2010/main">
+        <mc:Choice Requires="a14">
           <p:sp>
             <p:nvSpPr>
               <p:cNvPr id="3" name="Content Placeholder 2">
@@ -13193,7 +13264,7 @@
             </p:txBody>
           </p:sp>
         </mc:Choice>
-        <mc:Fallback>
+        <mc:Fallback xmlns="">
           <p:sp>
             <p:nvSpPr>
               <p:cNvPr id="3" name="Content Placeholder 2">
